--- a/src/main/resources/lesson04/OOP.Polymorphism.Static.Immutable.pptx
+++ b/src/main/resources/lesson04/OOP.Polymorphism.Static.Immutable.pptx
@@ -304,7 +304,7 @@
           <a:p>
             <a:fld id="{B4C71EC6-210F-42DE-9C53-41977AD35B3D}" type="datetimeFigureOut">
               <a:rPr lang="ru-RU" smtClean="0"/>
-              <a:t>04.12.2022</a:t>
+              <a:t>07.12.2022</a:t>
             </a:fld>
             <a:endParaRPr lang="ru-RU"/>
           </a:p>
@@ -469,7 +469,7 @@
           <a:p>
             <a:fld id="{B4C71EC6-210F-42DE-9C53-41977AD35B3D}" type="datetimeFigureOut">
               <a:rPr lang="ru-RU" smtClean="0"/>
-              <a:t>04.12.2022</a:t>
+              <a:t>07.12.2022</a:t>
             </a:fld>
             <a:endParaRPr lang="ru-RU"/>
           </a:p>
@@ -644,7 +644,7 @@
           <a:p>
             <a:fld id="{B4C71EC6-210F-42DE-9C53-41977AD35B3D}" type="datetimeFigureOut">
               <a:rPr lang="ru-RU" smtClean="0"/>
-              <a:t>04.12.2022</a:t>
+              <a:t>07.12.2022</a:t>
             </a:fld>
             <a:endParaRPr lang="ru-RU"/>
           </a:p>
@@ -809,7 +809,7 @@
           <a:p>
             <a:fld id="{B4C71EC6-210F-42DE-9C53-41977AD35B3D}" type="datetimeFigureOut">
               <a:rPr lang="ru-RU" smtClean="0"/>
-              <a:t>04.12.2022</a:t>
+              <a:t>07.12.2022</a:t>
             </a:fld>
             <a:endParaRPr lang="ru-RU"/>
           </a:p>
@@ -1051,7 +1051,7 @@
           <a:p>
             <a:fld id="{B4C71EC6-210F-42DE-9C53-41977AD35B3D}" type="datetimeFigureOut">
               <a:rPr lang="ru-RU" smtClean="0"/>
-              <a:t>04.12.2022</a:t>
+              <a:t>07.12.2022</a:t>
             </a:fld>
             <a:endParaRPr lang="ru-RU"/>
           </a:p>
@@ -1315,7 +1315,7 @@
           <a:p>
             <a:fld id="{B4C71EC6-210F-42DE-9C53-41977AD35B3D}" type="datetimeFigureOut">
               <a:rPr lang="ru-RU" smtClean="0"/>
-              <a:t>04.12.2022</a:t>
+              <a:t>07.12.2022</a:t>
             </a:fld>
             <a:endParaRPr lang="ru-RU"/>
           </a:p>
@@ -1693,7 +1693,7 @@
           <a:p>
             <a:fld id="{B4C71EC6-210F-42DE-9C53-41977AD35B3D}" type="datetimeFigureOut">
               <a:rPr lang="ru-RU" smtClean="0"/>
-              <a:t>04.12.2022</a:t>
+              <a:t>07.12.2022</a:t>
             </a:fld>
             <a:endParaRPr lang="ru-RU"/>
           </a:p>
@@ -1843,7 +1843,7 @@
           <a:p>
             <a:fld id="{B4C71EC6-210F-42DE-9C53-41977AD35B3D}" type="datetimeFigureOut">
               <a:rPr lang="ru-RU" smtClean="0"/>
-              <a:t>04.12.2022</a:t>
+              <a:t>07.12.2022</a:t>
             </a:fld>
             <a:endParaRPr lang="ru-RU"/>
           </a:p>
@@ -1933,7 +1933,7 @@
           <a:p>
             <a:fld id="{B4C71EC6-210F-42DE-9C53-41977AD35B3D}" type="datetimeFigureOut">
               <a:rPr lang="ru-RU" smtClean="0"/>
-              <a:t>04.12.2022</a:t>
+              <a:t>07.12.2022</a:t>
             </a:fld>
             <a:endParaRPr lang="ru-RU"/>
           </a:p>
@@ -2194,7 +2194,7 @@
           <a:p>
             <a:fld id="{B4C71EC6-210F-42DE-9C53-41977AD35B3D}" type="datetimeFigureOut">
               <a:rPr lang="ru-RU" smtClean="0"/>
-              <a:t>04.12.2022</a:t>
+              <a:t>07.12.2022</a:t>
             </a:fld>
             <a:endParaRPr lang="ru-RU"/>
           </a:p>
@@ -2482,7 +2482,7 @@
           <a:p>
             <a:fld id="{B4C71EC6-210F-42DE-9C53-41977AD35B3D}" type="datetimeFigureOut">
               <a:rPr lang="ru-RU" smtClean="0"/>
-              <a:t>04.12.2022</a:t>
+              <a:t>07.12.2022</a:t>
             </a:fld>
             <a:endParaRPr lang="ru-RU"/>
           </a:p>
@@ -3253,7 +3253,7 @@
           <a:p>
             <a:fld id="{B4C71EC6-210F-42DE-9C53-41977AD35B3D}" type="datetimeFigureOut">
               <a:rPr lang="ru-RU" smtClean="0"/>
-              <a:t>04.12.2022</a:t>
+              <a:t>07.12.2022</a:t>
             </a:fld>
             <a:endParaRPr lang="ru-RU"/>
           </a:p>
@@ -4645,6 +4645,19 @@
               <a:rPr lang="en-GB" sz="4400" dirty="0"/>
               <a:t>All the methods in an interface are abstract</a:t>
             </a:r>
+            <a:r>
+              <a:rPr lang="uk-UA" sz="4400" dirty="0"/>
+              <a:t> </a:t>
+            </a:r>
+            <a:r>
+              <a:rPr lang="en-US" sz="4400" dirty="0"/>
+              <a:t>(except default </a:t>
+            </a:r>
+            <a:r>
+              <a:rPr lang="en-US" sz="4400"/>
+              <a:t>and static)</a:t>
+            </a:r>
+            <a:endParaRPr lang="en-GB" sz="4400" dirty="0"/>
           </a:p>
           <a:p>
             <a:r>
